--- a/S03/03backe25 session 03.pptx
+++ b/S03/03backe25 session 03.pptx
@@ -5,10 +5,10 @@
     <p:sldMasterId id="2147483648" r:id="rId4"/>
   </p:sldMasterIdLst>
   <p:notesMasterIdLst>
-    <p:notesMasterId r:id="rId15"/>
+    <p:notesMasterId r:id="rId18"/>
   </p:notesMasterIdLst>
   <p:handoutMasterIdLst>
-    <p:handoutMasterId r:id="rId16"/>
+    <p:handoutMasterId r:id="rId19"/>
   </p:handoutMasterIdLst>
   <p:sldIdLst>
     <p:sldId id="256" r:id="rId5"/>
@@ -20,7 +20,10 @@
     <p:sldId id="275" r:id="rId11"/>
     <p:sldId id="277" r:id="rId12"/>
     <p:sldId id="278" r:id="rId13"/>
-    <p:sldId id="271" r:id="rId14"/>
+    <p:sldId id="279" r:id="rId14"/>
+    <p:sldId id="280" r:id="rId15"/>
+    <p:sldId id="281" r:id="rId16"/>
+    <p:sldId id="271" r:id="rId17"/>
   </p:sldIdLst>
   <p:sldSz cx="12192000" cy="6858000"/>
   <p:notesSz cx="6858000" cy="9144000"/>
@@ -817,7 +820,7 @@
           <a:p>
             <a:fld id="{22289C57-55D7-40A4-A101-E74FAC7A092B}" type="slidenum">
               <a:rPr lang="en-US" smtClean="0"/>
-              <a:t>10</a:t>
+              <a:t>13</a:t>
             </a:fld>
             <a:endParaRPr lang="en-US" dirty="0"/>
           </a:p>
@@ -7105,6 +7108,889 @@
           <p:cNvPr id="2" name="Title 1">
             <a:extLst>
               <a:ext uri="{FF2B5EF4-FFF2-40B4-BE49-F238E27FC236}">
+                <a16:creationId xmlns:a16="http://schemas.microsoft.com/office/drawing/2014/main" id="{2B6745A4-B2DD-8210-9CDD-F35FC792E1C8}"/>
+              </a:ext>
+            </a:extLst>
+          </p:cNvPr>
+          <p:cNvSpPr>
+            <a:spLocks noGrp="1"/>
+          </p:cNvSpPr>
+          <p:nvPr>
+            <p:ph type="title"/>
+          </p:nvPr>
+        </p:nvSpPr>
+        <p:spPr>
+          <a:xfrm>
+            <a:off x="597924" y="926275"/>
+            <a:ext cx="7288282" cy="845745"/>
+          </a:xfrm>
+        </p:spPr>
+        <p:txBody>
+          <a:bodyPr/>
+          <a:lstStyle/>
+          <a:p>
+            <a:r>
+              <a:rPr lang="en-US" dirty="0"/>
+              <a:t>Assignments</a:t>
+            </a:r>
+          </a:p>
+        </p:txBody>
+      </p:sp>
+      <p:sp>
+        <p:nvSpPr>
+          <p:cNvPr id="4" name="Slide Number Placeholder 3">
+            <a:extLst>
+              <a:ext uri="{FF2B5EF4-FFF2-40B4-BE49-F238E27FC236}">
+                <a16:creationId xmlns:a16="http://schemas.microsoft.com/office/drawing/2014/main" id="{E4B01F6C-9F1C-6905-0D88-A6A665B348D5}"/>
+              </a:ext>
+            </a:extLst>
+          </p:cNvPr>
+          <p:cNvSpPr>
+            <a:spLocks noGrp="1"/>
+          </p:cNvSpPr>
+          <p:nvPr>
+            <p:ph type="sldNum" sz="quarter" idx="12"/>
+          </p:nvPr>
+        </p:nvSpPr>
+        <p:spPr/>
+        <p:txBody>
+          <a:bodyPr/>
+          <a:lstStyle/>
+          <a:p>
+            <a:fld id="{A49DFD55-3C28-40EF-9E31-A92D2E4017FF}" type="slidenum">
+              <a:rPr lang="en-US" smtClean="0"/>
+              <a:pPr/>
+              <a:t>10</a:t>
+            </a:fld>
+            <a:endParaRPr lang="en-US" dirty="0"/>
+          </a:p>
+        </p:txBody>
+      </p:sp>
+      <p:sp>
+        <p:nvSpPr>
+          <p:cNvPr id="5" name="Rectangle 1">
+            <a:extLst>
+              <a:ext uri="{FF2B5EF4-FFF2-40B4-BE49-F238E27FC236}">
+                <a16:creationId xmlns:a16="http://schemas.microsoft.com/office/drawing/2014/main" id="{B3F9B62F-A045-7161-7EF5-22F5CA6EAF57}"/>
+              </a:ext>
+            </a:extLst>
+          </p:cNvPr>
+          <p:cNvSpPr>
+            <a:spLocks noGrp="1" noChangeArrowheads="1"/>
+          </p:cNvSpPr>
+          <p:nvPr>
+            <p:ph sz="half" idx="2"/>
+          </p:nvPr>
+        </p:nvSpPr>
+        <p:spPr bwMode="auto">
+          <a:xfrm>
+            <a:off x="498765" y="2140929"/>
+            <a:ext cx="12305196" cy="3416320"/>
+          </a:xfrm>
+          <a:prstGeom prst="rect">
+            <a:avLst/>
+          </a:prstGeom>
+          <a:noFill/>
+          <a:ln>
+            <a:noFill/>
+          </a:ln>
+          <a:effectLst/>
+          <a:extLst>
+            <a:ext uri="{909E8E84-426E-40DD-AFC4-6F175D3DCCD1}">
+              <a14:hiddenFill xmlns:a14="http://schemas.microsoft.com/office/drawing/2010/main">
+                <a:solidFill>
+                  <a:schemeClr val="accent1"/>
+                </a:solidFill>
+              </a14:hiddenFill>
+            </a:ext>
+            <a:ext uri="{91240B29-F687-4F45-9708-019B960494DF}">
+              <a14:hiddenLine xmlns:a14="http://schemas.microsoft.com/office/drawing/2010/main" w="9525">
+                <a:solidFill>
+                  <a:schemeClr val="tx1"/>
+                </a:solidFill>
+                <a:miter lim="800000"/>
+                <a:headEnd/>
+                <a:tailEnd/>
+              </a14:hiddenLine>
+            </a:ext>
+            <a:ext uri="{AF507438-7753-43E0-B8FC-AC1667EBCBE1}">
+              <a14:hiddenEffects xmlns:a14="http://schemas.microsoft.com/office/drawing/2010/main">
+                <a:effectLst>
+                  <a:outerShdw dist="35921" dir="2700000" algn="ctr" rotWithShape="0">
+                    <a:schemeClr val="bg2"/>
+                  </a:outerShdw>
+                </a:effectLst>
+              </a14:hiddenEffects>
+            </a:ext>
+          </a:extLst>
+        </p:spPr>
+        <p:txBody>
+          <a:bodyPr vert="horz" wrap="square" lIns="91440" tIns="45720" rIns="91440" bIns="45720" numCol="1" anchor="ctr" anchorCtr="0" compatLnSpc="1">
+            <a:prstTxWarp prst="textNoShape">
+              <a:avLst/>
+            </a:prstTxWarp>
+            <a:spAutoFit/>
+          </a:bodyPr>
+          <a:lstStyle/>
+          <a:p>
+            <a:pPr marL="0" marR="0" lvl="0" indent="0" algn="l" defTabSz="914400" rtl="0" eaLnBrk="0" fontAlgn="base" latinLnBrk="0" hangingPunct="0">
+              <a:lnSpc>
+                <a:spcPct val="150000"/>
+              </a:lnSpc>
+              <a:spcBef>
+                <a:spcPct val="0"/>
+              </a:spcBef>
+              <a:spcAft>
+                <a:spcPct val="0"/>
+              </a:spcAft>
+              <a:buClrTx/>
+              <a:buSzTx/>
+              <a:buFontTx/>
+              <a:buNone/>
+              <a:tabLst/>
+            </a:pPr>
+            <a:r>
+              <a:rPr kumimoji="0" lang="en-US" altLang="en-US" b="1" i="0" u="none" strike="noStrike" cap="none" normalizeH="0" baseline="0" dirty="0">
+                <a:ln>
+                  <a:noFill/>
+                </a:ln>
+                <a:solidFill>
+                  <a:schemeClr val="tx1"/>
+                </a:solidFill>
+                <a:effectLst/>
+                <a:latin typeface="Arial" panose="020B0604020202020204" pitchFamily="34" charset="0"/>
+                <a:cs typeface="Arial" panose="020B0604020202020204" pitchFamily="34" charset="0"/>
+              </a:rPr>
+              <a:t>Problem 1: The Star Pattern Challenge</a:t>
+            </a:r>
+          </a:p>
+          <a:p>
+            <a:pPr marL="0" marR="0" lvl="0" indent="0" algn="l" defTabSz="914400" rtl="0" eaLnBrk="0" fontAlgn="base" latinLnBrk="0" hangingPunct="0">
+              <a:lnSpc>
+                <a:spcPct val="150000"/>
+              </a:lnSpc>
+              <a:spcBef>
+                <a:spcPct val="0"/>
+              </a:spcBef>
+              <a:spcAft>
+                <a:spcPct val="0"/>
+              </a:spcAft>
+              <a:buClrTx/>
+              <a:buSzTx/>
+              <a:buFontTx/>
+              <a:buNone/>
+              <a:tabLst/>
+            </a:pPr>
+            <a:r>
+              <a:rPr kumimoji="0" lang="en-US" altLang="en-US" b="1" i="0" u="none" strike="noStrike" cap="none" normalizeH="0" baseline="0" dirty="0">
+                <a:ln>
+                  <a:noFill/>
+                </a:ln>
+                <a:solidFill>
+                  <a:schemeClr val="tx1"/>
+                </a:solidFill>
+                <a:effectLst/>
+                <a:latin typeface="Arial" panose="020B0604020202020204" pitchFamily="34" charset="0"/>
+                <a:cs typeface="Arial" panose="020B0604020202020204" pitchFamily="34" charset="0"/>
+              </a:rPr>
+              <a:t>Objective:</a:t>
+            </a:r>
+            <a:r>
+              <a:rPr kumimoji="0" lang="en-US" altLang="en-US" b="0" i="0" u="none" strike="noStrike" cap="none" normalizeH="0" baseline="0" dirty="0">
+                <a:ln>
+                  <a:noFill/>
+                </a:ln>
+                <a:solidFill>
+                  <a:schemeClr val="tx1"/>
+                </a:solidFill>
+                <a:effectLst/>
+                <a:latin typeface="Arial" panose="020B0604020202020204" pitchFamily="34" charset="0"/>
+                <a:cs typeface="Arial" panose="020B0604020202020204" pitchFamily="34" charset="0"/>
+              </a:rPr>
+              <a:t> Write a Java program that uses nested loops to print a right-angled triangle of asterisks (*).</a:t>
+            </a:r>
+          </a:p>
+          <a:p>
+            <a:pPr lvl="0" eaLnBrk="0" fontAlgn="base" hangingPunct="0">
+              <a:lnSpc>
+                <a:spcPct val="150000"/>
+              </a:lnSpc>
+              <a:spcBef>
+                <a:spcPct val="0"/>
+              </a:spcBef>
+              <a:spcAft>
+                <a:spcPct val="0"/>
+              </a:spcAft>
+            </a:pPr>
+            <a:r>
+              <a:rPr lang="en-US" altLang="en-US" dirty="0">
+                <a:latin typeface="Arial" panose="020B0604020202020204" pitchFamily="34" charset="0"/>
+                <a:cs typeface="Arial" panose="020B0604020202020204" pitchFamily="34" charset="0"/>
+              </a:rPr>
+              <a:t>Example:</a:t>
+            </a:r>
+          </a:p>
+          <a:p>
+            <a:pPr lvl="0" eaLnBrk="0" fontAlgn="base" hangingPunct="0">
+              <a:lnSpc>
+                <a:spcPct val="150000"/>
+              </a:lnSpc>
+              <a:spcBef>
+                <a:spcPct val="0"/>
+              </a:spcBef>
+              <a:spcAft>
+                <a:spcPct val="0"/>
+              </a:spcAft>
+            </a:pPr>
+            <a:r>
+              <a:rPr lang="en-US" altLang="en-US" b="0" dirty="0">
+                <a:latin typeface="Arial" panose="020B0604020202020204" pitchFamily="34" charset="0"/>
+                <a:cs typeface="Arial" panose="020B0604020202020204" pitchFamily="34" charset="0"/>
+              </a:rPr>
+              <a:t>If the user enters 5, the output should be:</a:t>
+            </a:r>
+          </a:p>
+          <a:p>
+            <a:pPr lvl="0" eaLnBrk="0" fontAlgn="base" hangingPunct="0">
+              <a:spcBef>
+                <a:spcPct val="0"/>
+              </a:spcBef>
+              <a:spcAft>
+                <a:spcPct val="0"/>
+              </a:spcAft>
+            </a:pPr>
+            <a:r>
+              <a:rPr lang="en-US" altLang="en-US" b="0" dirty="0">
+                <a:latin typeface="Arial" panose="020B0604020202020204" pitchFamily="34" charset="0"/>
+                <a:cs typeface="Arial" panose="020B0604020202020204" pitchFamily="34" charset="0"/>
+              </a:rPr>
+              <a:t>* </a:t>
+            </a:r>
+          </a:p>
+          <a:p>
+            <a:pPr lvl="0" eaLnBrk="0" fontAlgn="base" hangingPunct="0">
+              <a:spcBef>
+                <a:spcPct val="0"/>
+              </a:spcBef>
+              <a:spcAft>
+                <a:spcPct val="0"/>
+              </a:spcAft>
+            </a:pPr>
+            <a:r>
+              <a:rPr lang="en-US" altLang="en-US" b="0" dirty="0">
+                <a:latin typeface="Arial" panose="020B0604020202020204" pitchFamily="34" charset="0"/>
+                <a:cs typeface="Arial" panose="020B0604020202020204" pitchFamily="34" charset="0"/>
+              </a:rPr>
+              <a:t>** </a:t>
+            </a:r>
+          </a:p>
+          <a:p>
+            <a:pPr lvl="0" eaLnBrk="0" fontAlgn="base" hangingPunct="0">
+              <a:spcBef>
+                <a:spcPct val="0"/>
+              </a:spcBef>
+              <a:spcAft>
+                <a:spcPct val="0"/>
+              </a:spcAft>
+            </a:pPr>
+            <a:r>
+              <a:rPr lang="en-US" altLang="en-US" b="0" dirty="0">
+                <a:latin typeface="Arial" panose="020B0604020202020204" pitchFamily="34" charset="0"/>
+                <a:cs typeface="Arial" panose="020B0604020202020204" pitchFamily="34" charset="0"/>
+              </a:rPr>
+              <a:t>*** </a:t>
+            </a:r>
+          </a:p>
+          <a:p>
+            <a:pPr lvl="0" eaLnBrk="0" fontAlgn="base" hangingPunct="0">
+              <a:spcBef>
+                <a:spcPct val="0"/>
+              </a:spcBef>
+              <a:spcAft>
+                <a:spcPct val="0"/>
+              </a:spcAft>
+            </a:pPr>
+            <a:r>
+              <a:rPr lang="en-US" altLang="en-US" b="0" dirty="0">
+                <a:latin typeface="Arial" panose="020B0604020202020204" pitchFamily="34" charset="0"/>
+                <a:cs typeface="Arial" panose="020B0604020202020204" pitchFamily="34" charset="0"/>
+              </a:rPr>
+              <a:t>**** </a:t>
+            </a:r>
+          </a:p>
+          <a:p>
+            <a:pPr lvl="0" eaLnBrk="0" fontAlgn="base" hangingPunct="0">
+              <a:spcBef>
+                <a:spcPct val="0"/>
+              </a:spcBef>
+              <a:spcAft>
+                <a:spcPct val="0"/>
+              </a:spcAft>
+            </a:pPr>
+            <a:r>
+              <a:rPr lang="en-US" altLang="en-US" b="0" dirty="0">
+                <a:latin typeface="Arial" panose="020B0604020202020204" pitchFamily="34" charset="0"/>
+                <a:cs typeface="Arial" panose="020B0604020202020204" pitchFamily="34" charset="0"/>
+              </a:rPr>
+              <a:t>***** </a:t>
+            </a:r>
+          </a:p>
+          <a:p>
+            <a:pPr marL="0" marR="0" lvl="0" indent="0" algn="l" defTabSz="914400" rtl="0" eaLnBrk="0" fontAlgn="base" latinLnBrk="0" hangingPunct="0">
+              <a:lnSpc>
+                <a:spcPct val="100000"/>
+              </a:lnSpc>
+              <a:spcBef>
+                <a:spcPct val="0"/>
+              </a:spcBef>
+              <a:spcAft>
+                <a:spcPct val="0"/>
+              </a:spcAft>
+              <a:buClrTx/>
+              <a:buSzTx/>
+              <a:buFontTx/>
+              <a:buNone/>
+              <a:tabLst/>
+            </a:pPr>
+            <a:endParaRPr kumimoji="0" lang="en-US" altLang="en-US" b="0" i="0" u="none" strike="noStrike" cap="none" normalizeH="0" baseline="0" dirty="0">
+              <a:ln>
+                <a:noFill/>
+              </a:ln>
+              <a:solidFill>
+                <a:schemeClr val="tx1"/>
+              </a:solidFill>
+              <a:effectLst/>
+              <a:latin typeface="Arial" panose="020B0604020202020204" pitchFamily="34" charset="0"/>
+              <a:cs typeface="Arial" panose="020B0604020202020204" pitchFamily="34" charset="0"/>
+            </a:endParaRPr>
+          </a:p>
+        </p:txBody>
+      </p:sp>
+    </p:spTree>
+    <p:extLst>
+      <p:ext uri="{BB962C8B-B14F-4D97-AF65-F5344CB8AC3E}">
+        <p14:creationId xmlns:p14="http://schemas.microsoft.com/office/powerpoint/2010/main" val="1083896096"/>
+      </p:ext>
+    </p:extLst>
+  </p:cSld>
+  <p:clrMapOvr>
+    <a:masterClrMapping/>
+  </p:clrMapOvr>
+</p:sld>
+</file>
+
+<file path=ppt/slides/slide11.xml><?xml version="1.0" encoding="utf-8"?>
+<p:sld xmlns:a="http://schemas.openxmlformats.org/drawingml/2006/main" xmlns:r="http://schemas.openxmlformats.org/officeDocument/2006/relationships" xmlns:p="http://schemas.openxmlformats.org/presentationml/2006/main">
+  <p:cSld>
+    <p:spTree>
+      <p:nvGrpSpPr>
+        <p:cNvPr id="1" name="">
+          <a:extLst>
+            <a:ext uri="{FF2B5EF4-FFF2-40B4-BE49-F238E27FC236}">
+              <a16:creationId xmlns:a16="http://schemas.microsoft.com/office/drawing/2014/main" id="{491499FE-C159-4099-22E7-89F9C5EDCC63}"/>
+            </a:ext>
+          </a:extLst>
+        </p:cNvPr>
+        <p:cNvGrpSpPr/>
+        <p:nvPr/>
+      </p:nvGrpSpPr>
+      <p:grpSpPr>
+        <a:xfrm>
+          <a:off x="0" y="0"/>
+          <a:ext cx="0" cy="0"/>
+          <a:chOff x="0" y="0"/>
+          <a:chExt cx="0" cy="0"/>
+        </a:xfrm>
+      </p:grpSpPr>
+      <p:sp>
+        <p:nvSpPr>
+          <p:cNvPr id="2" name="Title 1">
+            <a:extLst>
+              <a:ext uri="{FF2B5EF4-FFF2-40B4-BE49-F238E27FC236}">
+                <a16:creationId xmlns:a16="http://schemas.microsoft.com/office/drawing/2014/main" id="{20E812AA-370E-1300-2DAA-F8FFA9A6555D}"/>
+              </a:ext>
+            </a:extLst>
+          </p:cNvPr>
+          <p:cNvSpPr>
+            <a:spLocks noGrp="1"/>
+          </p:cNvSpPr>
+          <p:nvPr>
+            <p:ph type="title"/>
+          </p:nvPr>
+        </p:nvSpPr>
+        <p:spPr>
+          <a:xfrm>
+            <a:off x="498765" y="653142"/>
+            <a:ext cx="7288282" cy="845745"/>
+          </a:xfrm>
+        </p:spPr>
+        <p:txBody>
+          <a:bodyPr/>
+          <a:lstStyle/>
+          <a:p>
+            <a:r>
+              <a:rPr lang="en-US" dirty="0"/>
+              <a:t>Assignments</a:t>
+            </a:r>
+          </a:p>
+        </p:txBody>
+      </p:sp>
+      <p:sp>
+        <p:nvSpPr>
+          <p:cNvPr id="4" name="Slide Number Placeholder 3">
+            <a:extLst>
+              <a:ext uri="{FF2B5EF4-FFF2-40B4-BE49-F238E27FC236}">
+                <a16:creationId xmlns:a16="http://schemas.microsoft.com/office/drawing/2014/main" id="{D6BAF38A-9976-4E66-466F-6A537A7F3311}"/>
+              </a:ext>
+            </a:extLst>
+          </p:cNvPr>
+          <p:cNvSpPr>
+            <a:spLocks noGrp="1"/>
+          </p:cNvSpPr>
+          <p:nvPr>
+            <p:ph type="sldNum" sz="quarter" idx="12"/>
+          </p:nvPr>
+        </p:nvSpPr>
+        <p:spPr/>
+        <p:txBody>
+          <a:bodyPr/>
+          <a:lstStyle/>
+          <a:p>
+            <a:fld id="{A49DFD55-3C28-40EF-9E31-A92D2E4017FF}" type="slidenum">
+              <a:rPr lang="en-US" smtClean="0"/>
+              <a:pPr/>
+              <a:t>11</a:t>
+            </a:fld>
+            <a:endParaRPr lang="en-US" dirty="0"/>
+          </a:p>
+        </p:txBody>
+      </p:sp>
+      <p:sp>
+        <p:nvSpPr>
+          <p:cNvPr id="5" name="Rectangle 1">
+            <a:extLst>
+              <a:ext uri="{FF2B5EF4-FFF2-40B4-BE49-F238E27FC236}">
+                <a16:creationId xmlns:a16="http://schemas.microsoft.com/office/drawing/2014/main" id="{00D5B746-3186-FD3C-BD67-294CAF6864A5}"/>
+              </a:ext>
+            </a:extLst>
+          </p:cNvPr>
+          <p:cNvSpPr>
+            <a:spLocks noGrp="1" noChangeArrowheads="1"/>
+          </p:cNvSpPr>
+          <p:nvPr>
+            <p:ph sz="half" idx="2"/>
+          </p:nvPr>
+        </p:nvSpPr>
+        <p:spPr bwMode="auto">
+          <a:xfrm>
+            <a:off x="498765" y="1686960"/>
+            <a:ext cx="12305196" cy="4324261"/>
+          </a:xfrm>
+          <a:prstGeom prst="rect">
+            <a:avLst/>
+          </a:prstGeom>
+          <a:noFill/>
+          <a:ln>
+            <a:noFill/>
+          </a:ln>
+          <a:effectLst/>
+          <a:extLst>
+            <a:ext uri="{909E8E84-426E-40DD-AFC4-6F175D3DCCD1}">
+              <a14:hiddenFill xmlns:a14="http://schemas.microsoft.com/office/drawing/2010/main">
+                <a:solidFill>
+                  <a:schemeClr val="accent1"/>
+                </a:solidFill>
+              </a14:hiddenFill>
+            </a:ext>
+            <a:ext uri="{91240B29-F687-4F45-9708-019B960494DF}">
+              <a14:hiddenLine xmlns:a14="http://schemas.microsoft.com/office/drawing/2010/main" w="9525">
+                <a:solidFill>
+                  <a:schemeClr val="tx1"/>
+                </a:solidFill>
+                <a:miter lim="800000"/>
+                <a:headEnd/>
+                <a:tailEnd/>
+              </a14:hiddenLine>
+            </a:ext>
+            <a:ext uri="{AF507438-7753-43E0-B8FC-AC1667EBCBE1}">
+              <a14:hiddenEffects xmlns:a14="http://schemas.microsoft.com/office/drawing/2010/main">
+                <a:effectLst>
+                  <a:outerShdw dist="35921" dir="2700000" algn="ctr" rotWithShape="0">
+                    <a:schemeClr val="bg2"/>
+                  </a:outerShdw>
+                </a:effectLst>
+              </a14:hiddenEffects>
+            </a:ext>
+          </a:extLst>
+        </p:spPr>
+        <p:txBody>
+          <a:bodyPr vert="horz" wrap="square" lIns="91440" tIns="45720" rIns="91440" bIns="45720" numCol="1" anchor="ctr" anchorCtr="0" compatLnSpc="1">
+            <a:prstTxWarp prst="textNoShape">
+              <a:avLst/>
+            </a:prstTxWarp>
+            <a:spAutoFit/>
+          </a:bodyPr>
+          <a:lstStyle/>
+          <a:p>
+            <a:pPr>
+              <a:lnSpc>
+                <a:spcPct val="150000"/>
+              </a:lnSpc>
+            </a:pPr>
+            <a:r>
+              <a:rPr kumimoji="0" lang="en-US" altLang="en-US" b="1" i="0" u="none" strike="noStrike" cap="none" normalizeH="0" baseline="0" dirty="0">
+                <a:ln>
+                  <a:noFill/>
+                </a:ln>
+                <a:solidFill>
+                  <a:schemeClr val="tx1"/>
+                </a:solidFill>
+                <a:effectLst/>
+                <a:latin typeface="Arial" panose="020B0604020202020204" pitchFamily="34" charset="0"/>
+                <a:cs typeface="Arial" panose="020B0604020202020204" pitchFamily="34" charset="0"/>
+              </a:rPr>
+              <a:t>Problem 2: </a:t>
+            </a:r>
+            <a:r>
+              <a:rPr lang="en-US" dirty="0">
+                <a:latin typeface="Arial" panose="020B0604020202020204" pitchFamily="34" charset="0"/>
+                <a:cs typeface="Arial" panose="020B0604020202020204" pitchFamily="34" charset="0"/>
+              </a:rPr>
+              <a:t>The Even Number Validator</a:t>
+            </a:r>
+          </a:p>
+          <a:p>
+            <a:pPr>
+              <a:lnSpc>
+                <a:spcPct val="150000"/>
+              </a:lnSpc>
+            </a:pPr>
+            <a:r>
+              <a:rPr lang="en-US" dirty="0">
+                <a:latin typeface="Arial" panose="020B0604020202020204" pitchFamily="34" charset="0"/>
+                <a:cs typeface="Arial" panose="020B0604020202020204" pitchFamily="34" charset="0"/>
+              </a:rPr>
+              <a:t>Objective: </a:t>
+            </a:r>
+            <a:r>
+              <a:rPr lang="en-US" b="0" dirty="0">
+                <a:latin typeface="Arial" panose="020B0604020202020204" pitchFamily="34" charset="0"/>
+                <a:cs typeface="Arial" panose="020B0604020202020204" pitchFamily="34" charset="0"/>
+              </a:rPr>
+              <a:t>Write a program that prompts the user to enter a number and validates whether it's an even number. The program should keep asking for input until a valid even number is provided.</a:t>
+            </a:r>
+          </a:p>
+          <a:p>
+            <a:pPr lvl="0" eaLnBrk="0" fontAlgn="base" hangingPunct="0">
+              <a:lnSpc>
+                <a:spcPct val="150000"/>
+              </a:lnSpc>
+              <a:spcBef>
+                <a:spcPct val="0"/>
+              </a:spcBef>
+              <a:spcAft>
+                <a:spcPct val="0"/>
+              </a:spcAft>
+            </a:pPr>
+            <a:r>
+              <a:rPr lang="en-US" altLang="en-US" b="0" dirty="0">
+                <a:latin typeface="Arial" panose="020B0604020202020204" pitchFamily="34" charset="0"/>
+                <a:cs typeface="Arial" panose="020B0604020202020204" pitchFamily="34" charset="0"/>
+              </a:rPr>
+              <a:t> </a:t>
+            </a:r>
+            <a:r>
+              <a:rPr lang="en-US" altLang="en-US" dirty="0">
+                <a:latin typeface="Arial" panose="020B0604020202020204" pitchFamily="34" charset="0"/>
+                <a:cs typeface="Arial" panose="020B0604020202020204" pitchFamily="34" charset="0"/>
+              </a:rPr>
+              <a:t>Example:</a:t>
+            </a:r>
+          </a:p>
+          <a:p>
+            <a:pPr lvl="0" eaLnBrk="0" fontAlgn="base" hangingPunct="0">
+              <a:lnSpc>
+                <a:spcPct val="150000"/>
+              </a:lnSpc>
+              <a:spcBef>
+                <a:spcPct val="0"/>
+              </a:spcBef>
+              <a:spcAft>
+                <a:spcPct val="0"/>
+              </a:spcAft>
+            </a:pPr>
+            <a:r>
+              <a:rPr lang="en-US" altLang="en-US" b="0" dirty="0">
+                <a:latin typeface="Arial" panose="020B0604020202020204" pitchFamily="34" charset="0"/>
+                <a:cs typeface="Arial" panose="020B0604020202020204" pitchFamily="34" charset="0"/>
+              </a:rPr>
+              <a:t>Please enter an even number: 5 </a:t>
+            </a:r>
+          </a:p>
+          <a:p>
+            <a:pPr lvl="0" eaLnBrk="0" fontAlgn="base" hangingPunct="0">
+              <a:lnSpc>
+                <a:spcPct val="150000"/>
+              </a:lnSpc>
+              <a:spcBef>
+                <a:spcPct val="0"/>
+              </a:spcBef>
+              <a:spcAft>
+                <a:spcPct val="0"/>
+              </a:spcAft>
+            </a:pPr>
+            <a:r>
+              <a:rPr lang="en-US" altLang="en-US" b="0" dirty="0">
+                <a:latin typeface="Arial" panose="020B0604020202020204" pitchFamily="34" charset="0"/>
+                <a:cs typeface="Arial" panose="020B0604020202020204" pitchFamily="34" charset="0"/>
+              </a:rPr>
+              <a:t>That's not an even number. </a:t>
+            </a:r>
+          </a:p>
+          <a:p>
+            <a:pPr lvl="0" eaLnBrk="0" fontAlgn="base" hangingPunct="0">
+              <a:lnSpc>
+                <a:spcPct val="150000"/>
+              </a:lnSpc>
+              <a:spcBef>
+                <a:spcPct val="0"/>
+              </a:spcBef>
+              <a:spcAft>
+                <a:spcPct val="0"/>
+              </a:spcAft>
+            </a:pPr>
+            <a:r>
+              <a:rPr lang="en-US" altLang="en-US" b="0" dirty="0">
+                <a:latin typeface="Arial" panose="020B0604020202020204" pitchFamily="34" charset="0"/>
+                <a:cs typeface="Arial" panose="020B0604020202020204" pitchFamily="34" charset="0"/>
+              </a:rPr>
+              <a:t>Please try again. 12 </a:t>
+            </a:r>
+          </a:p>
+          <a:p>
+            <a:pPr lvl="0" eaLnBrk="0" fontAlgn="base" hangingPunct="0">
+              <a:lnSpc>
+                <a:spcPct val="150000"/>
+              </a:lnSpc>
+              <a:spcBef>
+                <a:spcPct val="0"/>
+              </a:spcBef>
+              <a:spcAft>
+                <a:spcPct val="0"/>
+              </a:spcAft>
+            </a:pPr>
+            <a:r>
+              <a:rPr lang="en-US" altLang="en-US" b="0" dirty="0">
+                <a:latin typeface="Arial" panose="020B0604020202020204" pitchFamily="34" charset="0"/>
+                <a:cs typeface="Arial" panose="020B0604020202020204" pitchFamily="34" charset="0"/>
+              </a:rPr>
+              <a:t>You entered a valid even number: 12. </a:t>
+            </a:r>
+          </a:p>
+          <a:p>
+            <a:pPr marL="0" marR="0" lvl="0" indent="0" algn="l" defTabSz="914400" rtl="0" eaLnBrk="0" fontAlgn="base" latinLnBrk="0" hangingPunct="0">
+              <a:lnSpc>
+                <a:spcPct val="150000"/>
+              </a:lnSpc>
+              <a:spcBef>
+                <a:spcPct val="0"/>
+              </a:spcBef>
+              <a:spcAft>
+                <a:spcPct val="0"/>
+              </a:spcAft>
+              <a:buClrTx/>
+              <a:buSzTx/>
+              <a:buFontTx/>
+              <a:buNone/>
+              <a:tabLst/>
+            </a:pPr>
+            <a:endParaRPr lang="en-US" altLang="en-US" b="0" dirty="0">
+              <a:latin typeface="Arial" panose="020B0604020202020204" pitchFamily="34" charset="0"/>
+              <a:cs typeface="Arial" panose="020B0604020202020204" pitchFamily="34" charset="0"/>
+            </a:endParaRPr>
+          </a:p>
+          <a:p>
+            <a:pPr marL="0" marR="0" lvl="0" indent="0" algn="l" defTabSz="914400" rtl="0" eaLnBrk="0" fontAlgn="base" latinLnBrk="0" hangingPunct="0">
+              <a:lnSpc>
+                <a:spcPct val="150000"/>
+              </a:lnSpc>
+              <a:spcBef>
+                <a:spcPct val="0"/>
+              </a:spcBef>
+              <a:spcAft>
+                <a:spcPct val="0"/>
+              </a:spcAft>
+              <a:buClrTx/>
+              <a:buSzTx/>
+              <a:buFontTx/>
+              <a:buNone/>
+              <a:tabLst/>
+            </a:pPr>
+            <a:endParaRPr kumimoji="0" lang="en-US" altLang="en-US" b="0" i="0" u="none" strike="noStrike" cap="none" normalizeH="0" baseline="0" dirty="0">
+              <a:ln>
+                <a:noFill/>
+              </a:ln>
+              <a:solidFill>
+                <a:schemeClr val="tx1"/>
+              </a:solidFill>
+              <a:effectLst/>
+              <a:latin typeface="Arial" panose="020B0604020202020204" pitchFamily="34" charset="0"/>
+              <a:cs typeface="Arial" panose="020B0604020202020204" pitchFamily="34" charset="0"/>
+            </a:endParaRPr>
+          </a:p>
+        </p:txBody>
+      </p:sp>
+    </p:spTree>
+    <p:extLst>
+      <p:ext uri="{BB962C8B-B14F-4D97-AF65-F5344CB8AC3E}">
+        <p14:creationId xmlns:p14="http://schemas.microsoft.com/office/powerpoint/2010/main" val="1034889293"/>
+      </p:ext>
+    </p:extLst>
+  </p:cSld>
+  <p:clrMapOvr>
+    <a:masterClrMapping/>
+  </p:clrMapOvr>
+</p:sld>
+</file>
+
+<file path=ppt/slides/slide12.xml><?xml version="1.0" encoding="utf-8"?>
+<p:sld xmlns:a="http://schemas.openxmlformats.org/drawingml/2006/main" xmlns:r="http://schemas.openxmlformats.org/officeDocument/2006/relationships" xmlns:p="http://schemas.openxmlformats.org/presentationml/2006/main">
+  <p:cSld>
+    <p:spTree>
+      <p:nvGrpSpPr>
+        <p:cNvPr id="1" name=""/>
+        <p:cNvGrpSpPr/>
+        <p:nvPr/>
+      </p:nvGrpSpPr>
+      <p:grpSpPr>
+        <a:xfrm>
+          <a:off x="0" y="0"/>
+          <a:ext cx="0" cy="0"/>
+          <a:chOff x="0" y="0"/>
+          <a:chExt cx="0" cy="0"/>
+        </a:xfrm>
+      </p:grpSpPr>
+      <p:sp>
+        <p:nvSpPr>
+          <p:cNvPr id="2" name="Title 1">
+            <a:extLst>
+              <a:ext uri="{FF2B5EF4-FFF2-40B4-BE49-F238E27FC236}">
+                <a16:creationId xmlns:a16="http://schemas.microsoft.com/office/drawing/2014/main" id="{5F1726A0-C3EC-84D5-C93E-5962F18A7075}"/>
+              </a:ext>
+            </a:extLst>
+          </p:cNvPr>
+          <p:cNvSpPr>
+            <a:spLocks noGrp="1"/>
+          </p:cNvSpPr>
+          <p:nvPr>
+            <p:ph type="title"/>
+          </p:nvPr>
+        </p:nvSpPr>
+        <p:spPr/>
+        <p:txBody>
+          <a:bodyPr/>
+          <a:lstStyle/>
+          <a:p>
+            <a:r>
+              <a:rPr lang="en-US" dirty="0"/>
+              <a:t>Quiz</a:t>
+            </a:r>
+          </a:p>
+        </p:txBody>
+      </p:sp>
+      <p:sp>
+        <p:nvSpPr>
+          <p:cNvPr id="3" name="Content Placeholder 2">
+            <a:extLst>
+              <a:ext uri="{FF2B5EF4-FFF2-40B4-BE49-F238E27FC236}">
+                <a16:creationId xmlns:a16="http://schemas.microsoft.com/office/drawing/2014/main" id="{B33F9F17-9C19-E708-CB1F-C6FB8E86D1AC}"/>
+              </a:ext>
+            </a:extLst>
+          </p:cNvPr>
+          <p:cNvSpPr>
+            <a:spLocks noGrp="1"/>
+          </p:cNvSpPr>
+          <p:nvPr>
+            <p:ph sz="half" idx="2"/>
+          </p:nvPr>
+        </p:nvSpPr>
+        <p:spPr/>
+        <p:txBody>
+          <a:bodyPr/>
+          <a:lstStyle/>
+          <a:p>
+            <a:r>
+              <a:rPr lang="en-US" dirty="0"/>
+              <a:t>https://wayground.com/join?gc=46032402</a:t>
+            </a:r>
+          </a:p>
+        </p:txBody>
+      </p:sp>
+      <p:sp>
+        <p:nvSpPr>
+          <p:cNvPr id="4" name="Slide Number Placeholder 3">
+            <a:extLst>
+              <a:ext uri="{FF2B5EF4-FFF2-40B4-BE49-F238E27FC236}">
+                <a16:creationId xmlns:a16="http://schemas.microsoft.com/office/drawing/2014/main" id="{B2BB4257-41A7-4792-51D4-B69CFF40D238}"/>
+              </a:ext>
+            </a:extLst>
+          </p:cNvPr>
+          <p:cNvSpPr>
+            <a:spLocks noGrp="1"/>
+          </p:cNvSpPr>
+          <p:nvPr>
+            <p:ph type="sldNum" sz="quarter" idx="12"/>
+          </p:nvPr>
+        </p:nvSpPr>
+        <p:spPr/>
+        <p:txBody>
+          <a:bodyPr/>
+          <a:lstStyle/>
+          <a:p>
+            <a:fld id="{A49DFD55-3C28-40EF-9E31-A92D2E4017FF}" type="slidenum">
+              <a:rPr lang="en-US" smtClean="0"/>
+              <a:pPr/>
+              <a:t>12</a:t>
+            </a:fld>
+            <a:endParaRPr lang="en-US" dirty="0"/>
+          </a:p>
+        </p:txBody>
+      </p:sp>
+    </p:spTree>
+    <p:extLst>
+      <p:ext uri="{BB962C8B-B14F-4D97-AF65-F5344CB8AC3E}">
+        <p14:creationId xmlns:p14="http://schemas.microsoft.com/office/powerpoint/2010/main" val="2305889041"/>
+      </p:ext>
+    </p:extLst>
+  </p:cSld>
+  <p:clrMapOvr>
+    <a:masterClrMapping/>
+  </p:clrMapOvr>
+</p:sld>
+</file>
+
+<file path=ppt/slides/slide13.xml><?xml version="1.0" encoding="utf-8"?>
+<p:sld xmlns:a="http://schemas.openxmlformats.org/drawingml/2006/main" xmlns:r="http://schemas.openxmlformats.org/officeDocument/2006/relationships" xmlns:p="http://schemas.openxmlformats.org/presentationml/2006/main">
+  <p:cSld>
+    <p:spTree>
+      <p:nvGrpSpPr>
+        <p:cNvPr id="1" name=""/>
+        <p:cNvGrpSpPr/>
+        <p:nvPr/>
+      </p:nvGrpSpPr>
+      <p:grpSpPr>
+        <a:xfrm>
+          <a:off x="0" y="0"/>
+          <a:ext cx="0" cy="0"/>
+          <a:chOff x="0" y="0"/>
+          <a:chExt cx="0" cy="0"/>
+        </a:xfrm>
+      </p:grpSpPr>
+      <p:sp>
+        <p:nvSpPr>
+          <p:cNvPr id="2" name="Title 1">
+            <a:extLst>
+              <a:ext uri="{FF2B5EF4-FFF2-40B4-BE49-F238E27FC236}">
                 <a16:creationId xmlns:a16="http://schemas.microsoft.com/office/drawing/2014/main" id="{8BDF1EDE-5423-435C-B149-87AB1BC22B83}"/>
               </a:ext>
             </a:extLst>
@@ -7118,7 +8004,7 @@
         </p:nvSpPr>
         <p:spPr>
           <a:xfrm>
-            <a:off x="4267200" y="1615736"/>
+            <a:off x="3910940" y="2162001"/>
             <a:ext cx="4179570" cy="1524735"/>
           </a:xfrm>
         </p:spPr>
@@ -7162,7 +8048,7 @@
             <a:fld id="{A49DFD55-3C28-40EF-9E31-A92D2E4017FF}" type="slidenum">
               <a:rPr lang="en-US" smtClean="0"/>
               <a:pPr/>
-              <a:t>10</a:t>
+              <a:t>13</a:t>
             </a:fld>
             <a:endParaRPr lang="en-US" dirty="0"/>
           </a:p>
@@ -11586,10 +12472,10 @@
               </a:spcAft>
             </a:pPr>
             <a:r>
-              <a:rPr lang="en-US" sz="1800" dirty="0"/>
+              <a:rPr lang="en-US" sz="1800" b="1" dirty="0"/>
               <a:t>Nested Loops</a:t>
             </a:r>
-            <a:endParaRPr kumimoji="0" lang="en-US" altLang="en-US" sz="1800" b="0" i="0" u="none" strike="noStrike" cap="none" normalizeH="0" baseline="0" dirty="0">
+            <a:endParaRPr kumimoji="0" lang="en-US" altLang="en-US" sz="1800" b="1" i="0" u="none" strike="noStrike" cap="none" normalizeH="0" baseline="0" dirty="0">
               <a:ln>
                 <a:noFill/>
               </a:ln>
@@ -13118,6 +14004,35 @@
 </file>
 
 <file path=customXml/item1.xml><?xml version="1.0" encoding="utf-8"?>
+<?mso-contentType ?>
+<FormTemplates xmlns="http://schemas.microsoft.com/sharepoint/v3/contenttype/forms">
+  <Display>DocumentLibraryForm</Display>
+  <Edit>DocumentLibraryForm</Edit>
+  <New>DocumentLibraryForm</New>
+</FormTemplates>
+</file>
+
+<file path=customXml/item2.xml><?xml version="1.0" encoding="utf-8"?>
+<p:properties xmlns:p="http://schemas.microsoft.com/office/2006/metadata/properties" xmlns:xsi="http://www.w3.org/2001/XMLSchema-instance" xmlns:pc="http://schemas.microsoft.com/office/infopath/2007/PartnerControls">
+  <documentManagement>
+    <_ip_UnifiedCompliancePolicyUIAction xmlns="http://schemas.microsoft.com/sharepoint/v3" xsi:nil="true"/>
+    <Image xmlns="71af3243-3dd4-4a8d-8c0d-dd76da1f02a5">
+      <Url xsi:nil="true"/>
+      <Description xsi:nil="true"/>
+    </Image>
+    <Status xmlns="71af3243-3dd4-4a8d-8c0d-dd76da1f02a5">Not started</Status>
+    <Background xmlns="71af3243-3dd4-4a8d-8c0d-dd76da1f02a5">false</Background>
+    <_ip_UnifiedCompliancePolicyProperties xmlns="http://schemas.microsoft.com/sharepoint/v3" xsi:nil="true"/>
+    <ImageTagsTaxHTField xmlns="71af3243-3dd4-4a8d-8c0d-dd76da1f02a5">
+      <Terms xmlns="http://schemas.microsoft.com/office/infopath/2007/PartnerControls"/>
+    </ImageTagsTaxHTField>
+    <TaxCatchAll xmlns="230e9df3-be65-4c73-a93b-d1236ebd677e" xsi:nil="true"/>
+    <MediaServiceKeyPoints xmlns="71af3243-3dd4-4a8d-8c0d-dd76da1f02a5" xsi:nil="true"/>
+  </documentManagement>
+</p:properties>
+</file>
+
+<file path=customXml/item3.xml><?xml version="1.0" encoding="utf-8"?>
 <ct:contentTypeSchema xmlns:ct="http://schemas.microsoft.com/office/2006/metadata/contentType" xmlns:ma="http://schemas.microsoft.com/office/2006/metadata/properties/metaAttributes" ct:_="" ma:_="" ma:contentTypeName="Document" ma:contentTypeID="0x01010079F111ED35F8CC479449609E8A0923A6" ma:contentTypeVersion="28" ma:contentTypeDescription="Create a new document." ma:contentTypeScope="" ma:versionID="60f5a4f2d2b0abadcf532d48ebf9cb71">
   <xsd:schema xmlns:xsd="http://www.w3.org/2001/XMLSchema" xmlns:xs="http://www.w3.org/2001/XMLSchema" xmlns:p="http://schemas.microsoft.com/office/2006/metadata/properties" xmlns:ns1="http://schemas.microsoft.com/sharepoint/v3" xmlns:ns2="71af3243-3dd4-4a8d-8c0d-dd76da1f02a5" xmlns:ns3="16c05727-aa75-4e4a-9b5f-8a80a1165891" xmlns:ns4="230e9df3-be65-4c73-a93b-d1236ebd677e" targetNamespace="http://schemas.microsoft.com/office/2006/metadata/properties" ma:root="true" ma:fieldsID="7dd78129e6a1811f84807ad11c651531" ns1:_="" ns2:_="" ns3:_="" ns4:_="">
     <xsd:import namespace="http://schemas.microsoft.com/sharepoint/v3"/>
@@ -13429,36 +14344,27 @@
 </ct:contentTypeSchema>
 </file>
 
-<file path=customXml/item2.xml><?xml version="1.0" encoding="utf-8"?>
-<p:properties xmlns:p="http://schemas.microsoft.com/office/2006/metadata/properties" xmlns:xsi="http://www.w3.org/2001/XMLSchema-instance" xmlns:pc="http://schemas.microsoft.com/office/infopath/2007/PartnerControls">
-  <documentManagement>
-    <_ip_UnifiedCompliancePolicyUIAction xmlns="http://schemas.microsoft.com/sharepoint/v3" xsi:nil="true"/>
-    <Image xmlns="71af3243-3dd4-4a8d-8c0d-dd76da1f02a5">
-      <Url xsi:nil="true"/>
-      <Description xsi:nil="true"/>
-    </Image>
-    <Status xmlns="71af3243-3dd4-4a8d-8c0d-dd76da1f02a5">Not started</Status>
-    <Background xmlns="71af3243-3dd4-4a8d-8c0d-dd76da1f02a5">false</Background>
-    <_ip_UnifiedCompliancePolicyProperties xmlns="http://schemas.microsoft.com/sharepoint/v3" xsi:nil="true"/>
-    <ImageTagsTaxHTField xmlns="71af3243-3dd4-4a8d-8c0d-dd76da1f02a5">
-      <Terms xmlns="http://schemas.microsoft.com/office/infopath/2007/PartnerControls"/>
-    </ImageTagsTaxHTField>
-    <TaxCatchAll xmlns="230e9df3-be65-4c73-a93b-d1236ebd677e" xsi:nil="true"/>
-    <MediaServiceKeyPoints xmlns="71af3243-3dd4-4a8d-8c0d-dd76da1f02a5" xsi:nil="true"/>
-  </documentManagement>
-</p:properties>
+<file path=customXml/itemProps1.xml><?xml version="1.0" encoding="utf-8"?>
+<ds:datastoreItem xmlns:ds="http://schemas.openxmlformats.org/officeDocument/2006/customXml" ds:itemID="{CABF691C-888B-4061-8A6F-D5CE84A0254B}">
+  <ds:schemaRefs>
+    <ds:schemaRef ds:uri="http://schemas.microsoft.com/sharepoint/v3/contenttype/forms"/>
+  </ds:schemaRefs>
+</ds:datastoreItem>
 </file>
 
-<file path=customXml/item3.xml><?xml version="1.0" encoding="utf-8"?>
-<?mso-contentType ?>
-<FormTemplates xmlns="http://schemas.microsoft.com/sharepoint/v3/contenttype/forms">
-  <Display>DocumentLibraryForm</Display>
-  <Edit>DocumentLibraryForm</Edit>
-  <New>DocumentLibraryForm</New>
-</FormTemplates>
+<file path=customXml/itemProps2.xml><?xml version="1.0" encoding="utf-8"?>
+<ds:datastoreItem xmlns:ds="http://schemas.openxmlformats.org/officeDocument/2006/customXml" ds:itemID="{49168DCE-134F-4610-A6AA-88CEBE8D71D2}">
+  <ds:schemaRefs>
+    <ds:schemaRef ds:uri="http://schemas.microsoft.com/office/2006/metadata/properties"/>
+    <ds:schemaRef ds:uri="http://schemas.microsoft.com/office/infopath/2007/PartnerControls"/>
+    <ds:schemaRef ds:uri="http://schemas.microsoft.com/sharepoint/v3"/>
+    <ds:schemaRef ds:uri="71af3243-3dd4-4a8d-8c0d-dd76da1f02a5"/>
+    <ds:schemaRef ds:uri="230e9df3-be65-4c73-a93b-d1236ebd677e"/>
+  </ds:schemaRefs>
+</ds:datastoreItem>
 </file>
 
-<file path=customXml/itemProps1.xml><?xml version="1.0" encoding="utf-8"?>
+<file path=customXml/itemProps3.xml><?xml version="1.0" encoding="utf-8"?>
 <ds:datastoreItem xmlns:ds="http://schemas.openxmlformats.org/officeDocument/2006/customXml" ds:itemID="{5EDE3176-A15D-46A3-BDDB-64A0D7363224}">
   <ds:schemaRefs>
     <ds:schemaRef ds:uri="http://schemas.microsoft.com/office/2006/metadata/contentType"/>
@@ -13479,26 +14385,6 @@
 </ds:datastoreItem>
 </file>
 
-<file path=customXml/itemProps2.xml><?xml version="1.0" encoding="utf-8"?>
-<ds:datastoreItem xmlns:ds="http://schemas.openxmlformats.org/officeDocument/2006/customXml" ds:itemID="{49168DCE-134F-4610-A6AA-88CEBE8D71D2}">
-  <ds:schemaRefs>
-    <ds:schemaRef ds:uri="http://schemas.microsoft.com/office/2006/metadata/properties"/>
-    <ds:schemaRef ds:uri="http://schemas.microsoft.com/office/infopath/2007/PartnerControls"/>
-    <ds:schemaRef ds:uri="http://schemas.microsoft.com/sharepoint/v3"/>
-    <ds:schemaRef ds:uri="71af3243-3dd4-4a8d-8c0d-dd76da1f02a5"/>
-    <ds:schemaRef ds:uri="230e9df3-be65-4c73-a93b-d1236ebd677e"/>
-  </ds:schemaRefs>
-</ds:datastoreItem>
-</file>
-
-<file path=customXml/itemProps3.xml><?xml version="1.0" encoding="utf-8"?>
-<ds:datastoreItem xmlns:ds="http://schemas.openxmlformats.org/officeDocument/2006/customXml" ds:itemID="{CABF691C-888B-4061-8A6F-D5CE84A0254B}">
-  <ds:schemaRefs>
-    <ds:schemaRef ds:uri="http://schemas.microsoft.com/sharepoint/v3/contenttype/forms"/>
-  </ds:schemaRefs>
-</ds:datastoreItem>
-</file>
-
 <file path=docMetadata/LabelInfo.xml><?xml version="1.0" encoding="utf-8"?>
 <clbl:labelList xmlns:clbl="http://schemas.microsoft.com/office/2020/mipLabelMetadata"/>
 </file>
--- a/S03/03backe25 session 03.pptx
+++ b/S03/03backe25 session 03.pptx
@@ -8635,8 +8635,8 @@
         </p:nvSpPr>
         <p:spPr bwMode="auto">
           <a:xfrm>
-            <a:off x="946150" y="1760563"/>
-            <a:ext cx="10262746" cy="2949525"/>
+            <a:off x="946150" y="1345065"/>
+            <a:ext cx="10262746" cy="3780522"/>
           </a:xfrm>
           <a:prstGeom prst="rect">
             <a:avLst/>
@@ -8816,8 +8816,22 @@
                 <a:ea typeface="Calibri" panose="020F0502020204030204" pitchFamily="34" charset="0"/>
                 <a:cs typeface="Arial" panose="020B0604020202020204" pitchFamily="34" charset="0"/>
               </a:rPr>
-              <a:t> Example: if (age &gt;= 18) { </a:t>
-            </a:r>
+              <a:t> Example: if (age &gt;= 18) { \</a:t>
+            </a:r>
+          </a:p>
+          <a:p>
+            <a:pPr lvl="2" indent="0" eaLnBrk="0" fontAlgn="base" hangingPunct="0">
+              <a:lnSpc>
+                <a:spcPct val="150000"/>
+              </a:lnSpc>
+              <a:spcBef>
+                <a:spcPct val="0"/>
+              </a:spcBef>
+              <a:spcAft>
+                <a:spcPct val="0"/>
+              </a:spcAft>
+              <a:buNone/>
+            </a:pPr>
             <a:r>
               <a:rPr kumimoji="0" lang="en-US" altLang="en-US" b="0" i="0" u="none" strike="noStrike" cap="none" normalizeH="0" baseline="0" dirty="0" err="1">
                 <a:ln>
@@ -8846,7 +8860,36 @@
                 <a:ea typeface="Calibri" panose="020F0502020204030204" pitchFamily="34" charset="0"/>
                 <a:cs typeface="Arial" panose="020B0604020202020204" pitchFamily="34" charset="0"/>
               </a:rPr>
-              <a:t>("You can vote."); }</a:t>
+              <a:t>("You can vote."); </a:t>
+            </a:r>
+          </a:p>
+          <a:p>
+            <a:pPr lvl="2" indent="0" eaLnBrk="0" fontAlgn="base" hangingPunct="0">
+              <a:lnSpc>
+                <a:spcPct val="150000"/>
+              </a:lnSpc>
+              <a:spcBef>
+                <a:spcPct val="0"/>
+              </a:spcBef>
+              <a:spcAft>
+                <a:spcPct val="0"/>
+              </a:spcAft>
+              <a:buNone/>
+            </a:pPr>
+            <a:r>
+              <a:rPr kumimoji="0" lang="en-US" altLang="en-US" b="0" i="0" u="none" strike="noStrike" cap="none" normalizeH="0" baseline="0" dirty="0">
+                <a:ln>
+                  <a:noFill/>
+                </a:ln>
+                <a:solidFill>
+                  <a:schemeClr val="tx1"/>
+                </a:solidFill>
+                <a:effectLst/>
+                <a:latin typeface="Arial" panose="020B0604020202020204" pitchFamily="34" charset="0"/>
+                <a:ea typeface="Calibri" panose="020F0502020204030204" pitchFamily="34" charset="0"/>
+                <a:cs typeface="Arial" panose="020B0604020202020204" pitchFamily="34" charset="0"/>
+              </a:rPr>
+              <a:t>}</a:t>
             </a:r>
           </a:p>
           <a:p>
@@ -14004,35 +14047,6 @@
 </file>
 
 <file path=customXml/item1.xml><?xml version="1.0" encoding="utf-8"?>
-<?mso-contentType ?>
-<FormTemplates xmlns="http://schemas.microsoft.com/sharepoint/v3/contenttype/forms">
-  <Display>DocumentLibraryForm</Display>
-  <Edit>DocumentLibraryForm</Edit>
-  <New>DocumentLibraryForm</New>
-</FormTemplates>
-</file>
-
-<file path=customXml/item2.xml><?xml version="1.0" encoding="utf-8"?>
-<p:properties xmlns:p="http://schemas.microsoft.com/office/2006/metadata/properties" xmlns:xsi="http://www.w3.org/2001/XMLSchema-instance" xmlns:pc="http://schemas.microsoft.com/office/infopath/2007/PartnerControls">
-  <documentManagement>
-    <_ip_UnifiedCompliancePolicyUIAction xmlns="http://schemas.microsoft.com/sharepoint/v3" xsi:nil="true"/>
-    <Image xmlns="71af3243-3dd4-4a8d-8c0d-dd76da1f02a5">
-      <Url xsi:nil="true"/>
-      <Description xsi:nil="true"/>
-    </Image>
-    <Status xmlns="71af3243-3dd4-4a8d-8c0d-dd76da1f02a5">Not started</Status>
-    <Background xmlns="71af3243-3dd4-4a8d-8c0d-dd76da1f02a5">false</Background>
-    <_ip_UnifiedCompliancePolicyProperties xmlns="http://schemas.microsoft.com/sharepoint/v3" xsi:nil="true"/>
-    <ImageTagsTaxHTField xmlns="71af3243-3dd4-4a8d-8c0d-dd76da1f02a5">
-      <Terms xmlns="http://schemas.microsoft.com/office/infopath/2007/PartnerControls"/>
-    </ImageTagsTaxHTField>
-    <TaxCatchAll xmlns="230e9df3-be65-4c73-a93b-d1236ebd677e" xsi:nil="true"/>
-    <MediaServiceKeyPoints xmlns="71af3243-3dd4-4a8d-8c0d-dd76da1f02a5" xsi:nil="true"/>
-  </documentManagement>
-</p:properties>
-</file>
-
-<file path=customXml/item3.xml><?xml version="1.0" encoding="utf-8"?>
 <ct:contentTypeSchema xmlns:ct="http://schemas.microsoft.com/office/2006/metadata/contentType" xmlns:ma="http://schemas.microsoft.com/office/2006/metadata/properties/metaAttributes" ct:_="" ma:_="" ma:contentTypeName="Document" ma:contentTypeID="0x01010079F111ED35F8CC479449609E8A0923A6" ma:contentTypeVersion="28" ma:contentTypeDescription="Create a new document." ma:contentTypeScope="" ma:versionID="60f5a4f2d2b0abadcf532d48ebf9cb71">
   <xsd:schema xmlns:xsd="http://www.w3.org/2001/XMLSchema" xmlns:xs="http://www.w3.org/2001/XMLSchema" xmlns:p="http://schemas.microsoft.com/office/2006/metadata/properties" xmlns:ns1="http://schemas.microsoft.com/sharepoint/v3" xmlns:ns2="71af3243-3dd4-4a8d-8c0d-dd76da1f02a5" xmlns:ns3="16c05727-aa75-4e4a-9b5f-8a80a1165891" xmlns:ns4="230e9df3-be65-4c73-a93b-d1236ebd677e" targetNamespace="http://schemas.microsoft.com/office/2006/metadata/properties" ma:root="true" ma:fieldsID="7dd78129e6a1811f84807ad11c651531" ns1:_="" ns2:_="" ns3:_="" ns4:_="">
     <xsd:import namespace="http://schemas.microsoft.com/sharepoint/v3"/>
@@ -14344,27 +14358,36 @@
 </ct:contentTypeSchema>
 </file>
 
-<file path=customXml/itemProps1.xml><?xml version="1.0" encoding="utf-8"?>
-<ds:datastoreItem xmlns:ds="http://schemas.openxmlformats.org/officeDocument/2006/customXml" ds:itemID="{CABF691C-888B-4061-8A6F-D5CE84A0254B}">
-  <ds:schemaRefs>
-    <ds:schemaRef ds:uri="http://schemas.microsoft.com/sharepoint/v3/contenttype/forms"/>
-  </ds:schemaRefs>
-</ds:datastoreItem>
+<file path=customXml/item2.xml><?xml version="1.0" encoding="utf-8"?>
+<p:properties xmlns:p="http://schemas.microsoft.com/office/2006/metadata/properties" xmlns:xsi="http://www.w3.org/2001/XMLSchema-instance" xmlns:pc="http://schemas.microsoft.com/office/infopath/2007/PartnerControls">
+  <documentManagement>
+    <_ip_UnifiedCompliancePolicyUIAction xmlns="http://schemas.microsoft.com/sharepoint/v3" xsi:nil="true"/>
+    <Image xmlns="71af3243-3dd4-4a8d-8c0d-dd76da1f02a5">
+      <Url xsi:nil="true"/>
+      <Description xsi:nil="true"/>
+    </Image>
+    <Status xmlns="71af3243-3dd4-4a8d-8c0d-dd76da1f02a5">Not started</Status>
+    <Background xmlns="71af3243-3dd4-4a8d-8c0d-dd76da1f02a5">false</Background>
+    <_ip_UnifiedCompliancePolicyProperties xmlns="http://schemas.microsoft.com/sharepoint/v3" xsi:nil="true"/>
+    <ImageTagsTaxHTField xmlns="71af3243-3dd4-4a8d-8c0d-dd76da1f02a5">
+      <Terms xmlns="http://schemas.microsoft.com/office/infopath/2007/PartnerControls"/>
+    </ImageTagsTaxHTField>
+    <TaxCatchAll xmlns="230e9df3-be65-4c73-a93b-d1236ebd677e" xsi:nil="true"/>
+    <MediaServiceKeyPoints xmlns="71af3243-3dd4-4a8d-8c0d-dd76da1f02a5" xsi:nil="true"/>
+  </documentManagement>
+</p:properties>
 </file>
 
-<file path=customXml/itemProps2.xml><?xml version="1.0" encoding="utf-8"?>
-<ds:datastoreItem xmlns:ds="http://schemas.openxmlformats.org/officeDocument/2006/customXml" ds:itemID="{49168DCE-134F-4610-A6AA-88CEBE8D71D2}">
-  <ds:schemaRefs>
-    <ds:schemaRef ds:uri="http://schemas.microsoft.com/office/2006/metadata/properties"/>
-    <ds:schemaRef ds:uri="http://schemas.microsoft.com/office/infopath/2007/PartnerControls"/>
-    <ds:schemaRef ds:uri="http://schemas.microsoft.com/sharepoint/v3"/>
-    <ds:schemaRef ds:uri="71af3243-3dd4-4a8d-8c0d-dd76da1f02a5"/>
-    <ds:schemaRef ds:uri="230e9df3-be65-4c73-a93b-d1236ebd677e"/>
-  </ds:schemaRefs>
-</ds:datastoreItem>
+<file path=customXml/item3.xml><?xml version="1.0" encoding="utf-8"?>
+<?mso-contentType ?>
+<FormTemplates xmlns="http://schemas.microsoft.com/sharepoint/v3/contenttype/forms">
+  <Display>DocumentLibraryForm</Display>
+  <Edit>DocumentLibraryForm</Edit>
+  <New>DocumentLibraryForm</New>
+</FormTemplates>
 </file>
 
-<file path=customXml/itemProps3.xml><?xml version="1.0" encoding="utf-8"?>
+<file path=customXml/itemProps1.xml><?xml version="1.0" encoding="utf-8"?>
 <ds:datastoreItem xmlns:ds="http://schemas.openxmlformats.org/officeDocument/2006/customXml" ds:itemID="{5EDE3176-A15D-46A3-BDDB-64A0D7363224}">
   <ds:schemaRefs>
     <ds:schemaRef ds:uri="http://schemas.microsoft.com/office/2006/metadata/contentType"/>
@@ -14385,6 +14408,26 @@
 </ds:datastoreItem>
 </file>
 
+<file path=customXml/itemProps2.xml><?xml version="1.0" encoding="utf-8"?>
+<ds:datastoreItem xmlns:ds="http://schemas.openxmlformats.org/officeDocument/2006/customXml" ds:itemID="{49168DCE-134F-4610-A6AA-88CEBE8D71D2}">
+  <ds:schemaRefs>
+    <ds:schemaRef ds:uri="http://schemas.microsoft.com/office/2006/metadata/properties"/>
+    <ds:schemaRef ds:uri="http://schemas.microsoft.com/office/infopath/2007/PartnerControls"/>
+    <ds:schemaRef ds:uri="http://schemas.microsoft.com/sharepoint/v3"/>
+    <ds:schemaRef ds:uri="71af3243-3dd4-4a8d-8c0d-dd76da1f02a5"/>
+    <ds:schemaRef ds:uri="230e9df3-be65-4c73-a93b-d1236ebd677e"/>
+  </ds:schemaRefs>
+</ds:datastoreItem>
+</file>
+
+<file path=customXml/itemProps3.xml><?xml version="1.0" encoding="utf-8"?>
+<ds:datastoreItem xmlns:ds="http://schemas.openxmlformats.org/officeDocument/2006/customXml" ds:itemID="{CABF691C-888B-4061-8A6F-D5CE84A0254B}">
+  <ds:schemaRefs>
+    <ds:schemaRef ds:uri="http://schemas.microsoft.com/sharepoint/v3/contenttype/forms"/>
+  </ds:schemaRefs>
+</ds:datastoreItem>
+</file>
+
 <file path=docMetadata/LabelInfo.xml><?xml version="1.0" encoding="utf-8"?>
 <clbl:labelList xmlns:clbl="http://schemas.microsoft.com/office/2020/mipLabelMetadata"/>
 </file>